--- a/14feb2025.pptx
+++ b/14feb2025.pptx
@@ -141,7 +141,7 @@
 <file path=ppt/revisionInfo.xml><?xml version="1.0" encoding="utf-8"?>
 <p1510:revInfo xmlns:a="http://schemas.openxmlformats.org/drawingml/2006/main" xmlns:r="http://schemas.openxmlformats.org/officeDocument/2006/relationships" xmlns:p1510="http://schemas.microsoft.com/office/powerpoint/2015/10/main">
   <p1510:revLst>
-    <p1510:client id="{18CDF25D-F6AD-4B9C-8F12-B88CCCE7D38D}" v="2113" dt="2025-02-14T04:33:50.430"/>
+    <p1510:client id="{18CDF25D-F6AD-4B9C-8F12-B88CCCE7D38D}" v="2115" dt="2025-02-14T15:08:40.994"/>
   </p1510:revLst>
 </p1510:revInfo>
 </file>
@@ -151,7 +151,7 @@
   <pc:docChgLst>
     <pc:chgData name="Noam Benson-Tilsen" userId="bd4044bafc739e7e" providerId="LiveId" clId="{18CDF25D-F6AD-4B9C-8F12-B88CCCE7D38D}"/>
     <pc:docChg chg="undo redo custSel addSld delSld modSld sldOrd">
-      <pc:chgData name="Noam Benson-Tilsen" userId="bd4044bafc739e7e" providerId="LiveId" clId="{18CDF25D-F6AD-4B9C-8F12-B88CCCE7D38D}" dt="2025-02-14T04:58:38.517" v="13765" actId="1076"/>
+      <pc:chgData name="Noam Benson-Tilsen" userId="bd4044bafc739e7e" providerId="LiveId" clId="{18CDF25D-F6AD-4B9C-8F12-B88CCCE7D38D}" dt="2025-02-14T15:08:56.999" v="13769" actId="478"/>
       <pc:docMkLst>
         <pc:docMk/>
       </pc:docMkLst>
@@ -2155,8 +2155,8 @@
           <pc:sldMk cId="2049637304" sldId="307"/>
         </pc:sldMkLst>
       </pc:sldChg>
-      <pc:sldChg chg="addSp delSp modSp add mod">
-        <pc:chgData name="Noam Benson-Tilsen" userId="bd4044bafc739e7e" providerId="LiveId" clId="{18CDF25D-F6AD-4B9C-8F12-B88CCCE7D38D}" dt="2025-02-14T03:11:53.976" v="12630" actId="313"/>
+      <pc:sldChg chg="addSp delSp modSp add mod modAnim">
+        <pc:chgData name="Noam Benson-Tilsen" userId="bd4044bafc739e7e" providerId="LiveId" clId="{18CDF25D-F6AD-4B9C-8F12-B88CCCE7D38D}" dt="2025-02-14T15:08:56.999" v="13769" actId="478"/>
         <pc:sldMkLst>
           <pc:docMk/>
           <pc:sldMk cId="2858981938" sldId="307"/>
@@ -2185,8 +2185,8 @@
             <ac:spMk id="31" creationId="{60B6B3D4-235A-BA62-AA75-F2E9A5C9D27E}"/>
           </ac:spMkLst>
         </pc:spChg>
-        <pc:spChg chg="mod">
-          <ac:chgData name="Noam Benson-Tilsen" userId="bd4044bafc739e7e" providerId="LiveId" clId="{18CDF25D-F6AD-4B9C-8F12-B88CCCE7D38D}" dt="2025-02-14T02:33:16.743" v="12003" actId="1038"/>
+        <pc:spChg chg="add del mod">
+          <ac:chgData name="Noam Benson-Tilsen" userId="bd4044bafc739e7e" providerId="LiveId" clId="{18CDF25D-F6AD-4B9C-8F12-B88CCCE7D38D}" dt="2025-02-14T15:08:56.999" v="13769" actId="478"/>
           <ac:spMkLst>
             <pc:docMk/>
             <pc:sldMk cId="2858981938" sldId="307"/>
@@ -2945,7 +2945,7 @@
           <a:p>
             <a:fld id="{236EBFED-2188-4EDA-931B-78D9247D37A6}" type="datetimeFigureOut">
               <a:rPr lang="en-US" smtClean="0"/>
-              <a:t>13-Feb-25</a:t>
+              <a:t>14-Feb-25</a:t>
             </a:fld>
             <a:endParaRPr lang="en-US"/>
           </a:p>
@@ -4349,7 +4349,7 @@
           <a:p>
             <a:fld id="{86E7BB7A-5430-4755-AA76-66D2108D7BF3}" type="datetime1">
               <a:rPr lang="en-US" smtClean="0"/>
-              <a:t>13-Feb-25</a:t>
+              <a:t>14-Feb-25</a:t>
             </a:fld>
             <a:endParaRPr lang="en-US"/>
           </a:p>
@@ -4547,7 +4547,7 @@
           <a:p>
             <a:fld id="{7CAEF704-3058-460A-8C87-839C6123B90C}" type="datetime1">
               <a:rPr lang="en-US" smtClean="0"/>
-              <a:t>13-Feb-25</a:t>
+              <a:t>14-Feb-25</a:t>
             </a:fld>
             <a:endParaRPr lang="en-US"/>
           </a:p>
@@ -4755,7 +4755,7 @@
           <a:p>
             <a:fld id="{6BB3BF5B-60F5-41D5-B640-00509C33D1A3}" type="datetime1">
               <a:rPr lang="en-US" smtClean="0"/>
-              <a:t>13-Feb-25</a:t>
+              <a:t>14-Feb-25</a:t>
             </a:fld>
             <a:endParaRPr lang="en-US"/>
           </a:p>
@@ -4953,7 +4953,7 @@
           <a:p>
             <a:fld id="{382DCAB0-B1B0-47F4-8123-7C9B4E46C472}" type="datetime1">
               <a:rPr lang="en-US" smtClean="0"/>
-              <a:t>13-Feb-25</a:t>
+              <a:t>14-Feb-25</a:t>
             </a:fld>
             <a:endParaRPr lang="en-US"/>
           </a:p>
@@ -5228,7 +5228,7 @@
           <a:p>
             <a:fld id="{3848FE21-5809-4DFD-8913-5050033D7B7E}" type="datetime1">
               <a:rPr lang="en-US" smtClean="0"/>
-              <a:t>13-Feb-25</a:t>
+              <a:t>14-Feb-25</a:t>
             </a:fld>
             <a:endParaRPr lang="en-US"/>
           </a:p>
@@ -5493,7 +5493,7 @@
           <a:p>
             <a:fld id="{F1BA8741-9C4C-4C05-A87D-6468A593B439}" type="datetime1">
               <a:rPr lang="en-US" smtClean="0"/>
-              <a:t>13-Feb-25</a:t>
+              <a:t>14-Feb-25</a:t>
             </a:fld>
             <a:endParaRPr lang="en-US"/>
           </a:p>
@@ -5905,7 +5905,7 @@
           <a:p>
             <a:fld id="{9738B28E-2E6B-4645-AB4D-6A7BFED34FA6}" type="datetime1">
               <a:rPr lang="en-US" smtClean="0"/>
-              <a:t>13-Feb-25</a:t>
+              <a:t>14-Feb-25</a:t>
             </a:fld>
             <a:endParaRPr lang="en-US"/>
           </a:p>
@@ -6046,7 +6046,7 @@
           <a:p>
             <a:fld id="{3CC164BD-CDF8-44DE-94CE-BC4FF034D44F}" type="datetime1">
               <a:rPr lang="en-US" smtClean="0"/>
-              <a:t>13-Feb-25</a:t>
+              <a:t>14-Feb-25</a:t>
             </a:fld>
             <a:endParaRPr lang="en-US"/>
           </a:p>
@@ -6159,7 +6159,7 @@
           <a:p>
             <a:fld id="{980F8399-B0E5-42E9-AA23-E612AC598BF5}" type="datetime1">
               <a:rPr lang="en-US" smtClean="0"/>
-              <a:t>13-Feb-25</a:t>
+              <a:t>14-Feb-25</a:t>
             </a:fld>
             <a:endParaRPr lang="en-US"/>
           </a:p>
@@ -6470,7 +6470,7 @@
           <a:p>
             <a:fld id="{951D1CB3-44C2-4656-ACF1-8F0242B7EEB6}" type="datetime1">
               <a:rPr lang="en-US" smtClean="0"/>
-              <a:t>13-Feb-25</a:t>
+              <a:t>14-Feb-25</a:t>
             </a:fld>
             <a:endParaRPr lang="en-US"/>
           </a:p>
@@ -6758,7 +6758,7 @@
           <a:p>
             <a:fld id="{AE14B50B-C297-4B3A-B71D-45ACC1723FF3}" type="datetime1">
               <a:rPr lang="en-US" smtClean="0"/>
-              <a:t>13-Feb-25</a:t>
+              <a:t>14-Feb-25</a:t>
             </a:fld>
             <a:endParaRPr lang="en-US"/>
           </a:p>
@@ -6999,7 +6999,7 @@
           <a:p>
             <a:fld id="{1B2F3523-3417-455D-8351-C2122A4FE605}" type="datetime1">
               <a:rPr lang="en-US" smtClean="0"/>
-              <a:t>13-Feb-25</a:t>
+              <a:t>14-Feb-25</a:t>
             </a:fld>
             <a:endParaRPr lang="en-US"/>
           </a:p>
@@ -7717,7 +7717,7 @@
           <a:p>
             <a:fld id="{C8C94121-ACB5-4EA7-8D6F-39349D0097B6}" type="datetime1">
               <a:rPr lang="en-US" smtClean="0"/>
-              <a:t>13-Feb-25</a:t>
+              <a:t>14-Feb-25</a:t>
             </a:fld>
             <a:endParaRPr lang="en-US"/>
           </a:p>
@@ -8742,7 +8742,7 @@
           <a:p>
             <a:fld id="{C8C94121-ACB5-4EA7-8D6F-39349D0097B6}" type="datetime1">
               <a:rPr lang="en-US" smtClean="0"/>
-              <a:t>13-Feb-25</a:t>
+              <a:t>14-Feb-25</a:t>
             </a:fld>
             <a:endParaRPr lang="en-US"/>
           </a:p>
@@ -9301,7 +9301,7 @@
           <a:p>
             <a:fld id="{C8C94121-ACB5-4EA7-8D6F-39349D0097B6}" type="datetime1">
               <a:rPr lang="en-US" smtClean="0"/>
-              <a:t>13-Feb-25</a:t>
+              <a:t>14-Feb-25</a:t>
             </a:fld>
             <a:endParaRPr lang="en-US"/>
           </a:p>
@@ -9802,7 +9802,7 @@
           <a:p>
             <a:fld id="{382DCAB0-B1B0-47F4-8123-7C9B4E46C472}" type="datetime1">
               <a:rPr lang="en-US" smtClean="0"/>
-              <a:t>13-Feb-25</a:t>
+              <a:t>14-Feb-25</a:t>
             </a:fld>
             <a:endParaRPr lang="en-US"/>
           </a:p>
@@ -10826,7 +10826,7 @@
           <a:p>
             <a:fld id="{382DCAB0-B1B0-47F4-8123-7C9B4E46C472}" type="datetime1">
               <a:rPr lang="en-US" smtClean="0"/>
-              <a:t>13-Feb-25</a:t>
+              <a:t>14-Feb-25</a:t>
             </a:fld>
             <a:endParaRPr lang="en-US"/>
           </a:p>
@@ -11259,7 +11259,7 @@
           <a:p>
             <a:fld id="{C8C94121-ACB5-4EA7-8D6F-39349D0097B6}" type="datetime1">
               <a:rPr lang="en-US" smtClean="0"/>
-              <a:t>13-Feb-25</a:t>
+              <a:t>14-Feb-25</a:t>
             </a:fld>
             <a:endParaRPr lang="en-US"/>
           </a:p>
@@ -11941,7 +11941,7 @@
           <a:p>
             <a:fld id="{382DCAB0-B1B0-47F4-8123-7C9B4E46C472}" type="datetime1">
               <a:rPr lang="en-US" smtClean="0"/>
-              <a:t>13-Feb-25</a:t>
+              <a:t>14-Feb-25</a:t>
             </a:fld>
             <a:endParaRPr lang="en-US"/>
           </a:p>
@@ -12608,7 +12608,7 @@
           <a:p>
             <a:fld id="{382DCAB0-B1B0-47F4-8123-7C9B4E46C472}" type="datetime1">
               <a:rPr lang="en-US" smtClean="0"/>
-              <a:t>13-Feb-25</a:t>
+              <a:t>14-Feb-25</a:t>
             </a:fld>
             <a:endParaRPr lang="en-US"/>
           </a:p>
@@ -13427,7 +13427,7 @@
           <a:p>
             <a:fld id="{382DCAB0-B1B0-47F4-8123-7C9B4E46C472}" type="datetime1">
               <a:rPr lang="en-US" smtClean="0"/>
-              <a:t>13-Feb-25</a:t>
+              <a:t>14-Feb-25</a:t>
             </a:fld>
             <a:endParaRPr lang="en-US"/>
           </a:p>
@@ -13982,7 +13982,7 @@
           <a:p>
             <a:fld id="{AA4E2390-991F-404A-8DF1-1C536FEDE7B4}" type="datetime1">
               <a:rPr lang="en-US" smtClean="0"/>
-              <a:t>13-Feb-25</a:t>
+              <a:t>14-Feb-25</a:t>
             </a:fld>
             <a:endParaRPr lang="en-US"/>
           </a:p>
@@ -14456,7 +14456,7 @@
           <a:p>
             <a:fld id="{382DCAB0-B1B0-47F4-8123-7C9B4E46C472}" type="datetime1">
               <a:rPr lang="en-US" smtClean="0"/>
-              <a:t>13-Feb-25</a:t>
+              <a:t>14-Feb-25</a:t>
             </a:fld>
             <a:endParaRPr lang="en-US"/>
           </a:p>
@@ -14601,7 +14601,7 @@
           <a:p>
             <a:fld id="{382DCAB0-B1B0-47F4-8123-7C9B4E46C472}" type="datetime1">
               <a:rPr lang="en-US" smtClean="0"/>
-              <a:t>13-Feb-25</a:t>
+              <a:t>14-Feb-25</a:t>
             </a:fld>
             <a:endParaRPr lang="en-US"/>
           </a:p>
@@ -14717,7 +14717,7 @@
           <a:p>
             <a:fld id="{382DCAB0-B1B0-47F4-8123-7C9B4E46C472}" type="datetime1">
               <a:rPr lang="en-US" smtClean="0"/>
-              <a:t>13-Feb-25</a:t>
+              <a:t>14-Feb-25</a:t>
             </a:fld>
             <a:endParaRPr lang="en-US"/>
           </a:p>
@@ -15792,7 +15792,7 @@
           <a:p>
             <a:fld id="{382DCAB0-B1B0-47F4-8123-7C9B4E46C472}" type="datetime1">
               <a:rPr lang="en-US" smtClean="0"/>
-              <a:t>13-Feb-25</a:t>
+              <a:t>14-Feb-25</a:t>
             </a:fld>
             <a:endParaRPr lang="en-US"/>
           </a:p>
@@ -15963,7 +15963,7 @@
           <a:p>
             <a:fld id="{382DCAB0-B1B0-47F4-8123-7C9B4E46C472}" type="datetime1">
               <a:rPr lang="en-US" smtClean="0"/>
-              <a:t>13-Feb-25</a:t>
+              <a:t>14-Feb-25</a:t>
             </a:fld>
             <a:endParaRPr lang="en-US"/>
           </a:p>
@@ -16227,7 +16227,7 @@
           <a:p>
             <a:fld id="{382DCAB0-B1B0-47F4-8123-7C9B4E46C472}" type="datetime1">
               <a:rPr lang="en-US" smtClean="0"/>
-              <a:t>13-Feb-25</a:t>
+              <a:t>14-Feb-25</a:t>
             </a:fld>
             <a:endParaRPr lang="en-US"/>
           </a:p>
@@ -16460,7 +16460,7 @@
           <a:p>
             <a:fld id="{41CEE34E-69FB-428D-A090-17710997A75E}" type="datetime1">
               <a:rPr lang="en-US" smtClean="0"/>
-              <a:t>13-Feb-25</a:t>
+              <a:t>14-Feb-25</a:t>
             </a:fld>
             <a:endParaRPr lang="en-US"/>
           </a:p>
@@ -16968,7 +16968,7 @@
           <a:p>
             <a:fld id="{382DCAB0-B1B0-47F4-8123-7C9B4E46C472}" type="datetime1">
               <a:rPr lang="en-US" smtClean="0"/>
-              <a:t>13-Feb-25</a:t>
+              <a:t>14-Feb-25</a:t>
             </a:fld>
             <a:endParaRPr lang="en-US"/>
           </a:p>
@@ -17680,7 +17680,7 @@
           <a:p>
             <a:fld id="{77B4F09B-DDB9-46FD-9DD1-A3E98D307C4C}" type="datetime1">
               <a:rPr lang="en-US" smtClean="0"/>
-              <a:t>13-Feb-25</a:t>
+              <a:t>14-Feb-25</a:t>
             </a:fld>
             <a:endParaRPr lang="en-US"/>
           </a:p>
@@ -18321,7 +18321,7 @@
           <a:p>
             <a:fld id="{0D98AACD-B2C5-4101-9D41-3333DA0C47AF}" type="datetime1">
               <a:rPr lang="en-US" smtClean="0"/>
-              <a:t>13-Feb-25</a:t>
+              <a:t>14-Feb-25</a:t>
             </a:fld>
             <a:endParaRPr lang="en-US" sz="800" dirty="0"/>
           </a:p>
@@ -19671,7 +19671,7 @@
           <a:p>
             <a:fld id="{C8C94121-ACB5-4EA7-8D6F-39349D0097B6}" type="datetime1">
               <a:rPr lang="en-US" smtClean="0"/>
-              <a:t>13-Feb-25</a:t>
+              <a:t>14-Feb-25</a:t>
             </a:fld>
             <a:endParaRPr lang="en-US"/>
           </a:p>
@@ -21142,7 +21142,7 @@
           <a:p>
             <a:fld id="{F013D538-F69D-46E3-AEA9-841A187E689D}" type="datetime1">
               <a:rPr lang="en-US" smtClean="0"/>
-              <a:t>13-Feb-25</a:t>
+              <a:t>14-Feb-25</a:t>
             </a:fld>
             <a:endParaRPr lang="en-US"/>
           </a:p>
@@ -22006,7 +22006,7 @@
           <a:p>
             <a:fld id="{C8C94121-ACB5-4EA7-8D6F-39349D0097B6}" type="datetime1">
               <a:rPr lang="en-US" smtClean="0"/>
-              <a:t>13-Feb-25</a:t>
+              <a:t>14-Feb-25</a:t>
             </a:fld>
             <a:endParaRPr lang="en-US"/>
           </a:p>
